--- a/Assignment4ppt.pptx
+++ b/Assignment4ppt.pptx
@@ -5,17 +5,18 @@
     <p:sldMasterId id="2147483684" r:id="rId4"/>
   </p:sldMasterIdLst>
   <p:notesMasterIdLst>
-    <p:notesMasterId r:id="rId10"/>
+    <p:notesMasterId r:id="rId11"/>
   </p:notesMasterIdLst>
   <p:handoutMasterIdLst>
-    <p:handoutMasterId r:id="rId11"/>
+    <p:handoutMasterId r:id="rId12"/>
   </p:handoutMasterIdLst>
   <p:sldIdLst>
     <p:sldId id="256" r:id="rId5"/>
     <p:sldId id="330" r:id="rId6"/>
     <p:sldId id="331" r:id="rId7"/>
     <p:sldId id="332" r:id="rId8"/>
-    <p:sldId id="333" r:id="rId9"/>
+    <p:sldId id="334" r:id="rId9"/>
+    <p:sldId id="333" r:id="rId10"/>
   </p:sldIdLst>
   <p:sldSz cx="12192000" cy="6858000"/>
   <p:notesSz cx="6858000" cy="9144000"/>
@@ -232,7 +233,7 @@
             <a:pPr rtl="0"/>
             <a:fld id="{CA71881C-9934-4390-83D4-00A1706901B0}" type="datetime1">
               <a:rPr lang="de-DE" smtClean="0"/>
-              <a:t>30.11.2023</a:t>
+              <a:t>04.12.2023</a:t>
             </a:fld>
             <a:endParaRPr lang="de-DE"/>
           </a:p>
@@ -414,7 +415,7 @@
             <a:fld id="{768E27D2-03F2-438B-AB0C-EA2A702A54A3}" type="datetime1">
               <a:rPr lang="de-DE" smtClean="0"/>
               <a:pPr/>
-              <a:t>30.11.2023</a:t>
+              <a:t>04.12.2023</a:t>
             </a:fld>
             <a:endParaRPr lang="de-DE" dirty="0"/>
           </a:p>
@@ -9045,7 +9046,7 @@
             </a:r>
             <a:r>
               <a:rPr lang="de-DE" dirty="0"/>
-              <a:t> IIII</a:t>
+              <a:t> IV</a:t>
             </a:r>
           </a:p>
         </p:txBody>
@@ -9276,7 +9277,7 @@
             </a:r>
             <a:r>
               <a:rPr lang="de-DE" dirty="0"/>
-              <a:t> IIII</a:t>
+              <a:t> IV</a:t>
             </a:r>
           </a:p>
         </p:txBody>
@@ -9477,7 +9478,7 @@
             </a:r>
             <a:r>
               <a:rPr lang="de-DE" dirty="0"/>
-              <a:t> IIII</a:t>
+              <a:t> IV</a:t>
             </a:r>
           </a:p>
         </p:txBody>
@@ -10430,7 +10431,7 @@
             </a:pPr>
             <a:r>
               <a:rPr lang="en-US" dirty="0"/>
-              <a:t>If the input item (</a:t>
+              <a:t>If user has already rated the movie, add the explanation “User has already rated (</a:t>
             </a:r>
             <a:r>
               <a:rPr lang="en-US" dirty="0" err="1"/>
@@ -10438,15 +10439,7 @@
             </a:r>
             <a:r>
               <a:rPr lang="en-US" dirty="0"/>
-              <a:t>) is not in the database (</a:t>
-            </a:r>
-            <a:r>
-              <a:rPr lang="en-US" dirty="0" err="1"/>
-              <a:t>movies_dict</a:t>
-            </a:r>
-            <a:r>
-              <a:rPr lang="en-US" dirty="0"/>
-              <a:t>), add the explanation "Item not in database" to the set.</a:t>
+              <a:t>)”</a:t>
             </a:r>
           </a:p>
           <a:p>
@@ -10558,7 +10551,7 @@
             </a:r>
             <a:r>
               <a:rPr lang="de-DE" dirty="0"/>
-              <a:t> IIII</a:t>
+              <a:t> IV</a:t>
             </a:r>
           </a:p>
         </p:txBody>
@@ -10655,6 +10648,321 @@
           <a:chExt cx="0" cy="0"/>
         </a:xfrm>
       </p:grpSpPr>
+      <p:pic>
+        <p:nvPicPr>
+          <p:cNvPr id="11" name="Picture Placeholder 10">
+            <a:extLst>
+              <a:ext uri="{FF2B5EF4-FFF2-40B4-BE49-F238E27FC236}">
+                <a16:creationId xmlns:a16="http://schemas.microsoft.com/office/drawing/2014/main" id="{8FE95A33-8C4B-F33C-F7F6-0D3FE4393457}"/>
+              </a:ext>
+            </a:extLst>
+          </p:cNvPr>
+          <p:cNvPicPr>
+            <a:picLocks noGrp="1" noChangeAspect="1"/>
+          </p:cNvPicPr>
+          <p:nvPr>
+            <p:ph type="pic" sz="quarter" idx="13"/>
+          </p:nvPr>
+        </p:nvPicPr>
+        <p:blipFill>
+          <a:blip r:embed="rId2"/>
+          <a:srcRect t="22563" b="22563"/>
+          <a:stretch/>
+        </p:blipFill>
+        <p:spPr>
+          <a:xfrm>
+            <a:off x="7938" y="-23813"/>
+            <a:ext cx="4287837" cy="6881813"/>
+          </a:xfrm>
+        </p:spPr>
+      </p:pic>
+      <p:sp>
+        <p:nvSpPr>
+          <p:cNvPr id="2" name="Title 1">
+            <a:extLst>
+              <a:ext uri="{FF2B5EF4-FFF2-40B4-BE49-F238E27FC236}">
+                <a16:creationId xmlns:a16="http://schemas.microsoft.com/office/drawing/2014/main" id="{EA001574-1AF6-6E03-5A5E-BA6599033F9F}"/>
+              </a:ext>
+            </a:extLst>
+          </p:cNvPr>
+          <p:cNvSpPr>
+            <a:spLocks noGrp="1"/>
+          </p:cNvSpPr>
+          <p:nvPr>
+            <p:ph type="title"/>
+          </p:nvPr>
+        </p:nvSpPr>
+        <p:spPr>
+          <a:xfrm>
+            <a:off x="4522015" y="255250"/>
+            <a:ext cx="7491369" cy="721495"/>
+          </a:xfrm>
+        </p:spPr>
+        <p:txBody>
+          <a:bodyPr>
+            <a:normAutofit fontScale="90000"/>
+          </a:bodyPr>
+          <a:lstStyle/>
+          <a:p>
+            <a:r>
+              <a:rPr lang="de-DE" dirty="0" err="1"/>
+              <a:t>Explain_why_not_group</a:t>
+            </a:r>
+            <a:endParaRPr lang="de-DE" dirty="0"/>
+          </a:p>
+        </p:txBody>
+      </p:sp>
+      <p:sp>
+        <p:nvSpPr>
+          <p:cNvPr id="3" name="Content Placeholder 2">
+            <a:extLst>
+              <a:ext uri="{FF2B5EF4-FFF2-40B4-BE49-F238E27FC236}">
+                <a16:creationId xmlns:a16="http://schemas.microsoft.com/office/drawing/2014/main" id="{82B22E7D-02CF-1885-33B0-92E4F7A7C77A}"/>
+              </a:ext>
+            </a:extLst>
+          </p:cNvPr>
+          <p:cNvSpPr>
+            <a:spLocks noGrp="1"/>
+          </p:cNvSpPr>
+          <p:nvPr>
+            <p:ph idx="1"/>
+          </p:nvPr>
+        </p:nvSpPr>
+        <p:spPr>
+          <a:xfrm>
+            <a:off x="4522016" y="976745"/>
+            <a:ext cx="6588854" cy="5131206"/>
+          </a:xfrm>
+        </p:spPr>
+        <p:txBody>
+          <a:bodyPr/>
+          <a:lstStyle/>
+          <a:p>
+            <a:pPr marL="342900" indent="-342900">
+              <a:buFont typeface="Arial" panose="020B0604020202020204" pitchFamily="34" charset="0"/>
+              <a:buChar char="•"/>
+            </a:pPr>
+            <a:r>
+              <a:rPr lang="en-US" dirty="0"/>
+              <a:t>Create an empty dictionary explanations to store explanations for the group</a:t>
+            </a:r>
+          </a:p>
+          <a:p>
+            <a:pPr marL="342900" indent="-342900">
+              <a:buFont typeface="Arial" panose="020B0604020202020204" pitchFamily="34" charset="0"/>
+              <a:buChar char="•"/>
+            </a:pPr>
+            <a:r>
+              <a:rPr lang="en-US" dirty="0"/>
+              <a:t>Find similar users for the group members to help establish a framework of peers</a:t>
+            </a:r>
+          </a:p>
+          <a:p>
+            <a:pPr marL="342900" indent="-342900">
+              <a:buFont typeface="Arial" panose="020B0604020202020204" pitchFamily="34" charset="0"/>
+              <a:buChar char="•"/>
+            </a:pPr>
+            <a:r>
+              <a:rPr lang="en-US" dirty="0"/>
+              <a:t>If there are insufficient number of most similar peers, add explanation “Insufficient most similar peers for Category”</a:t>
+            </a:r>
+          </a:p>
+          <a:p>
+            <a:pPr marL="342900" indent="-342900">
+              <a:buFont typeface="Arial" panose="020B0604020202020204" pitchFamily="34" charset="0"/>
+              <a:buChar char="•"/>
+            </a:pPr>
+            <a:r>
+              <a:rPr lang="en-US" dirty="0"/>
+              <a:t>If there are insufficient overall peers, add explanation “Insufficient overall similar peers”</a:t>
+            </a:r>
+          </a:p>
+          <a:p>
+            <a:pPr marL="342900" indent="-342900">
+              <a:buFont typeface="Arial" panose="020B0604020202020204" pitchFamily="34" charset="0"/>
+              <a:buChar char="•"/>
+            </a:pPr>
+            <a:r>
+              <a:rPr lang="en-US" dirty="0"/>
+              <a:t>If there are no peer ratings, add explanation “No peer ratings for the items in Category”</a:t>
+            </a:r>
+          </a:p>
+          <a:p>
+            <a:pPr marL="342900" indent="-342900">
+              <a:buFont typeface="Arial" panose="020B0604020202020204" pitchFamily="34" charset="0"/>
+              <a:buChar char="•"/>
+            </a:pPr>
+            <a:endParaRPr lang="de-DE" dirty="0"/>
+          </a:p>
+        </p:txBody>
+      </p:sp>
+      <p:sp>
+        <p:nvSpPr>
+          <p:cNvPr id="4" name="Date Placeholder 3">
+            <a:extLst>
+              <a:ext uri="{FF2B5EF4-FFF2-40B4-BE49-F238E27FC236}">
+                <a16:creationId xmlns:a16="http://schemas.microsoft.com/office/drawing/2014/main" id="{5F604EAD-938E-F066-1491-6E882E049A88}"/>
+              </a:ext>
+            </a:extLst>
+          </p:cNvPr>
+          <p:cNvSpPr>
+            <a:spLocks noGrp="1"/>
+          </p:cNvSpPr>
+          <p:nvPr>
+            <p:ph type="dt" sz="half" idx="10"/>
+          </p:nvPr>
+        </p:nvSpPr>
+        <p:spPr>
+          <a:xfrm>
+            <a:off x="180975" y="6429374"/>
+            <a:ext cx="2743200" cy="365125"/>
+          </a:xfrm>
+        </p:spPr>
+        <p:txBody>
+          <a:bodyPr/>
+          <a:lstStyle/>
+          <a:p>
+            <a:pPr rtl="0"/>
+            <a:r>
+              <a:rPr lang="de-DE" dirty="0"/>
+              <a:t>29</a:t>
+            </a:r>
+            <a:r>
+              <a:rPr lang="de-DE" noProof="0" dirty="0"/>
+              <a:t>.11.2023</a:t>
+            </a:r>
+          </a:p>
+        </p:txBody>
+      </p:sp>
+      <p:sp>
+        <p:nvSpPr>
+          <p:cNvPr id="8" name="Footer Placeholder 7">
+            <a:extLst>
+              <a:ext uri="{FF2B5EF4-FFF2-40B4-BE49-F238E27FC236}">
+                <a16:creationId xmlns:a16="http://schemas.microsoft.com/office/drawing/2014/main" id="{52A07024-56A9-1B49-775D-A34391F38483}"/>
+              </a:ext>
+            </a:extLst>
+          </p:cNvPr>
+          <p:cNvSpPr>
+            <a:spLocks noGrp="1"/>
+          </p:cNvSpPr>
+          <p:nvPr>
+            <p:ph type="ftr" sz="quarter" idx="11"/>
+          </p:nvPr>
+        </p:nvSpPr>
+        <p:spPr/>
+        <p:txBody>
+          <a:bodyPr/>
+          <a:lstStyle/>
+          <a:p>
+            <a:pPr rtl="0"/>
+            <a:r>
+              <a:rPr lang="de-DE" dirty="0"/>
+              <a:t>DATA.ML.360-2023-2024-1-TAU </a:t>
+            </a:r>
+            <a:r>
+              <a:rPr lang="de-DE" dirty="0" err="1"/>
+              <a:t>Assignment</a:t>
+            </a:r>
+            <a:r>
+              <a:rPr lang="de-DE" dirty="0"/>
+              <a:t> IV</a:t>
+            </a:r>
+          </a:p>
+        </p:txBody>
+      </p:sp>
+      <p:sp>
+        <p:nvSpPr>
+          <p:cNvPr id="9" name="Slide Number Placeholder 8">
+            <a:extLst>
+              <a:ext uri="{FF2B5EF4-FFF2-40B4-BE49-F238E27FC236}">
+                <a16:creationId xmlns:a16="http://schemas.microsoft.com/office/drawing/2014/main" id="{F2C87FD2-38CF-0E50-3EBE-7352E323394B}"/>
+              </a:ext>
+            </a:extLst>
+          </p:cNvPr>
+          <p:cNvSpPr>
+            <a:spLocks noGrp="1"/>
+          </p:cNvSpPr>
+          <p:nvPr>
+            <p:ph type="sldNum" sz="quarter" idx="12"/>
+          </p:nvPr>
+        </p:nvSpPr>
+        <p:spPr/>
+        <p:txBody>
+          <a:bodyPr/>
+          <a:lstStyle/>
+          <a:p>
+            <a:pPr rtl="0"/>
+            <a:fld id="{28844951-7827-47D4-8276-7DDE1FA7D85A}" type="slidenum">
+              <a:rPr lang="de-DE" noProof="0" smtClean="0"/>
+              <a:t>5</a:t>
+            </a:fld>
+            <a:endParaRPr lang="de-DE" noProof="0"/>
+          </a:p>
+        </p:txBody>
+      </p:sp>
+      <p:pic>
+        <p:nvPicPr>
+          <p:cNvPr id="15" name="Picture 14">
+            <a:extLst>
+              <a:ext uri="{FF2B5EF4-FFF2-40B4-BE49-F238E27FC236}">
+                <a16:creationId xmlns:a16="http://schemas.microsoft.com/office/drawing/2014/main" id="{C6E63F42-E59F-06E6-5EF0-964DB5DD3442}"/>
+              </a:ext>
+            </a:extLst>
+          </p:cNvPr>
+          <p:cNvPicPr>
+            <a:picLocks noChangeAspect="1"/>
+          </p:cNvPicPr>
+          <p:nvPr/>
+        </p:nvPicPr>
+        <p:blipFill>
+          <a:blip r:embed="rId3">
+            <a:alphaModFix amt="39000"/>
+          </a:blip>
+          <a:stretch>
+            <a:fillRect/>
+          </a:stretch>
+        </p:blipFill>
+        <p:spPr>
+          <a:xfrm>
+            <a:off x="-15875" y="-11906"/>
+            <a:ext cx="4285477" cy="6881812"/>
+          </a:xfrm>
+          <a:prstGeom prst="rect">
+            <a:avLst/>
+          </a:prstGeom>
+        </p:spPr>
+      </p:pic>
+    </p:spTree>
+    <p:extLst>
+      <p:ext uri="{BB962C8B-B14F-4D97-AF65-F5344CB8AC3E}">
+        <p14:creationId xmlns:p14="http://schemas.microsoft.com/office/powerpoint/2010/main" val="201890643"/>
+      </p:ext>
+    </p:extLst>
+  </p:cSld>
+  <p:clrMapOvr>
+    <a:masterClrMapping/>
+  </p:clrMapOvr>
+</p:sld>
+</file>
+
+<file path=ppt/slides/slide6.xml><?xml version="1.0" encoding="utf-8"?>
+<p:sld xmlns:a="http://schemas.openxmlformats.org/drawingml/2006/main" xmlns:r="http://schemas.openxmlformats.org/officeDocument/2006/relationships" xmlns:p="http://schemas.openxmlformats.org/presentationml/2006/main">
+  <p:cSld>
+    <p:spTree>
+      <p:nvGrpSpPr>
+        <p:cNvPr id="1" name=""/>
+        <p:cNvGrpSpPr/>
+        <p:nvPr/>
+      </p:nvGrpSpPr>
+      <p:grpSpPr>
+        <a:xfrm>
+          <a:off x="0" y="0"/>
+          <a:ext cx="0" cy="0"/>
+          <a:chOff x="0" y="0"/>
+          <a:chExt cx="0" cy="0"/>
+        </a:xfrm>
+      </p:grpSpPr>
       <p:sp>
         <p:nvSpPr>
           <p:cNvPr id="3" name="Content Placeholder 2">
@@ -10947,11 +11255,11 @@
             </a:r>
             <a:r>
               <a:rPr lang="de-DE" dirty="0" err="1"/>
-              <a:t>Assignmnt</a:t>
+              <a:t>Assignment</a:t>
             </a:r>
             <a:r>
               <a:rPr lang="de-DE" dirty="0"/>
-              <a:t> IIII</a:t>
+              <a:t> IV</a:t>
             </a:r>
           </a:p>
         </p:txBody>
@@ -10980,7 +11288,7 @@
             <a:pPr rtl="0"/>
             <a:fld id="{28844951-7827-47D4-8276-7DDE1FA7D85A}" type="slidenum">
               <a:rPr lang="de-DE" noProof="0" smtClean="0"/>
-              <a:t>5</a:t>
+              <a:t>6</a:t>
             </a:fld>
             <a:endParaRPr lang="de-DE" noProof="0"/>
           </a:p>
@@ -11820,12 +12128,22 @@
 </file>
 
 <file path=customXml/item1.xml><?xml version="1.0" encoding="utf-8"?>
-<?mso-contentType ?>
-<FormTemplates xmlns="http://schemas.microsoft.com/sharepoint/v3/contenttype/forms">
-  <Display>DocumentLibraryForm</Display>
-  <Edit>DocumentLibraryForm</Edit>
-  <New>DocumentLibraryForm</New>
-</FormTemplates>
+<p:properties xmlns:p="http://schemas.microsoft.com/office/2006/metadata/properties" xmlns:xsi="http://www.w3.org/2001/XMLSchema-instance" xmlns:pc="http://schemas.microsoft.com/office/infopath/2007/PartnerControls">
+  <documentManagement>
+    <Status xmlns="71af3243-3dd4-4a8d-8c0d-dd76da1f02a5">Not started</Status>
+    <_ip_UnifiedCompliancePolicyUIAction xmlns="http://schemas.microsoft.com/sharepoint/v3" xsi:nil="true"/>
+    <Image xmlns="71af3243-3dd4-4a8d-8c0d-dd76da1f02a5">
+      <Url xsi:nil="true"/>
+      <Description xsi:nil="true"/>
+    </Image>
+    <_ip_UnifiedCompliancePolicyProperties xmlns="http://schemas.microsoft.com/sharepoint/v3" xsi:nil="true"/>
+    <lcf76f155ced4ddcb4097134ff3c332f xmlns="71af3243-3dd4-4a8d-8c0d-dd76da1f02a5">
+      <Terms xmlns="http://schemas.microsoft.com/office/infopath/2007/PartnerControls"/>
+    </lcf76f155ced4ddcb4097134ff3c332f>
+    <TaxCatchAll xmlns="230e9df3-be65-4c73-a93b-d1236ebd677e"/>
+    <MediaServiceKeyPoints xmlns="71af3243-3dd4-4a8d-8c0d-dd76da1f02a5" xsi:nil="true"/>
+  </documentManagement>
+</p:properties>
 </file>
 
 <file path=customXml/item2.xml><?xml version="1.0" encoding="utf-8"?>
@@ -12105,28 +12423,22 @@
 </file>
 
 <file path=customXml/item3.xml><?xml version="1.0" encoding="utf-8"?>
-<p:properties xmlns:p="http://schemas.microsoft.com/office/2006/metadata/properties" xmlns:xsi="http://www.w3.org/2001/XMLSchema-instance" xmlns:pc="http://schemas.microsoft.com/office/infopath/2007/PartnerControls">
-  <documentManagement>
-    <Status xmlns="71af3243-3dd4-4a8d-8c0d-dd76da1f02a5">Not started</Status>
-    <_ip_UnifiedCompliancePolicyUIAction xmlns="http://schemas.microsoft.com/sharepoint/v3" xsi:nil="true"/>
-    <Image xmlns="71af3243-3dd4-4a8d-8c0d-dd76da1f02a5">
-      <Url xsi:nil="true"/>
-      <Description xsi:nil="true"/>
-    </Image>
-    <_ip_UnifiedCompliancePolicyProperties xmlns="http://schemas.microsoft.com/sharepoint/v3" xsi:nil="true"/>
-    <lcf76f155ced4ddcb4097134ff3c332f xmlns="71af3243-3dd4-4a8d-8c0d-dd76da1f02a5">
-      <Terms xmlns="http://schemas.microsoft.com/office/infopath/2007/PartnerControls"/>
-    </lcf76f155ced4ddcb4097134ff3c332f>
-    <TaxCatchAll xmlns="230e9df3-be65-4c73-a93b-d1236ebd677e"/>
-    <MediaServiceKeyPoints xmlns="71af3243-3dd4-4a8d-8c0d-dd76da1f02a5" xsi:nil="true"/>
-  </documentManagement>
-</p:properties>
+<?mso-contentType ?>
+<FormTemplates xmlns="http://schemas.microsoft.com/sharepoint/v3/contenttype/forms">
+  <Display>DocumentLibraryForm</Display>
+  <Edit>DocumentLibraryForm</Edit>
+  <New>DocumentLibraryForm</New>
+</FormTemplates>
 </file>
 
 <file path=customXml/itemProps1.xml><?xml version="1.0" encoding="utf-8"?>
-<ds:datastoreItem xmlns:ds="http://schemas.openxmlformats.org/officeDocument/2006/customXml" ds:itemID="{5CF4B188-9E41-4609-81DC-EA2587D009AE}">
+<ds:datastoreItem xmlns:ds="http://schemas.openxmlformats.org/officeDocument/2006/customXml" ds:itemID="{DAAFE2A1-77F8-441E-9B9F-DD61C354F4FE}">
   <ds:schemaRefs>
-    <ds:schemaRef ds:uri="http://schemas.microsoft.com/sharepoint/v3/contenttype/forms"/>
+    <ds:schemaRef ds:uri="http://schemas.microsoft.com/office/2006/metadata/properties"/>
+    <ds:schemaRef ds:uri="http://schemas.microsoft.com/office/infopath/2007/PartnerControls"/>
+    <ds:schemaRef ds:uri="71af3243-3dd4-4a8d-8c0d-dd76da1f02a5"/>
+    <ds:schemaRef ds:uri="http://schemas.microsoft.com/sharepoint/v3"/>
+    <ds:schemaRef ds:uri="230e9df3-be65-4c73-a93b-d1236ebd677e"/>
   </ds:schemaRefs>
 </ds:datastoreItem>
 </file>
@@ -12153,13 +12465,9 @@
 </file>
 
 <file path=customXml/itemProps3.xml><?xml version="1.0" encoding="utf-8"?>
-<ds:datastoreItem xmlns:ds="http://schemas.openxmlformats.org/officeDocument/2006/customXml" ds:itemID="{DAAFE2A1-77F8-441E-9B9F-DD61C354F4FE}">
+<ds:datastoreItem xmlns:ds="http://schemas.openxmlformats.org/officeDocument/2006/customXml" ds:itemID="{5CF4B188-9E41-4609-81DC-EA2587D009AE}">
   <ds:schemaRefs>
-    <ds:schemaRef ds:uri="http://schemas.microsoft.com/office/2006/metadata/properties"/>
-    <ds:schemaRef ds:uri="http://schemas.microsoft.com/office/infopath/2007/PartnerControls"/>
-    <ds:schemaRef ds:uri="71af3243-3dd4-4a8d-8c0d-dd76da1f02a5"/>
-    <ds:schemaRef ds:uri="http://schemas.microsoft.com/sharepoint/v3"/>
-    <ds:schemaRef ds:uri="230e9df3-be65-4c73-a93b-d1236ebd677e"/>
+    <ds:schemaRef ds:uri="http://schemas.microsoft.com/sharepoint/v3/contenttype/forms"/>
   </ds:schemaRefs>
 </ds:datastoreItem>
 </file>